--- a/PlanteamientoDiagramasUnifilares.pptx
+++ b/PlanteamientoDiagramasUnifilares.pptx
@@ -9158,7 +9158,7 @@
           <a:p>
             <a:fld id="{86214ADD-9916-4D57-B262-4D71999CA195}" type="datetimeFigureOut">
               <a:rPr lang="es-ES" smtClean="0"/>
-              <a:t>28/05/2024</a:t>
+              <a:t>29/05/2024</a:t>
             </a:fld>
             <a:endParaRPr lang="es-ES"/>
           </a:p>
@@ -9356,7 +9356,7 @@
           <a:p>
             <a:fld id="{86214ADD-9916-4D57-B262-4D71999CA195}" type="datetimeFigureOut">
               <a:rPr lang="es-ES" smtClean="0"/>
-              <a:t>28/05/2024</a:t>
+              <a:t>29/05/2024</a:t>
             </a:fld>
             <a:endParaRPr lang="es-ES"/>
           </a:p>
@@ -9564,7 +9564,7 @@
           <a:p>
             <a:fld id="{86214ADD-9916-4D57-B262-4D71999CA195}" type="datetimeFigureOut">
               <a:rPr lang="es-ES" smtClean="0"/>
-              <a:t>28/05/2024</a:t>
+              <a:t>29/05/2024</a:t>
             </a:fld>
             <a:endParaRPr lang="es-ES"/>
           </a:p>
@@ -9762,7 +9762,7 @@
           <a:p>
             <a:fld id="{86214ADD-9916-4D57-B262-4D71999CA195}" type="datetimeFigureOut">
               <a:rPr lang="es-ES" smtClean="0"/>
-              <a:t>28/05/2024</a:t>
+              <a:t>29/05/2024</a:t>
             </a:fld>
             <a:endParaRPr lang="es-ES"/>
           </a:p>
@@ -10037,7 +10037,7 @@
           <a:p>
             <a:fld id="{86214ADD-9916-4D57-B262-4D71999CA195}" type="datetimeFigureOut">
               <a:rPr lang="es-ES" smtClean="0"/>
-              <a:t>28/05/2024</a:t>
+              <a:t>29/05/2024</a:t>
             </a:fld>
             <a:endParaRPr lang="es-ES"/>
           </a:p>
@@ -10302,7 +10302,7 @@
           <a:p>
             <a:fld id="{86214ADD-9916-4D57-B262-4D71999CA195}" type="datetimeFigureOut">
               <a:rPr lang="es-ES" smtClean="0"/>
-              <a:t>28/05/2024</a:t>
+              <a:t>29/05/2024</a:t>
             </a:fld>
             <a:endParaRPr lang="es-ES"/>
           </a:p>
@@ -10714,7 +10714,7 @@
           <a:p>
             <a:fld id="{86214ADD-9916-4D57-B262-4D71999CA195}" type="datetimeFigureOut">
               <a:rPr lang="es-ES" smtClean="0"/>
-              <a:t>28/05/2024</a:t>
+              <a:t>29/05/2024</a:t>
             </a:fld>
             <a:endParaRPr lang="es-ES"/>
           </a:p>
@@ -10855,7 +10855,7 @@
           <a:p>
             <a:fld id="{86214ADD-9916-4D57-B262-4D71999CA195}" type="datetimeFigureOut">
               <a:rPr lang="es-ES" smtClean="0"/>
-              <a:t>28/05/2024</a:t>
+              <a:t>29/05/2024</a:t>
             </a:fld>
             <a:endParaRPr lang="es-ES"/>
           </a:p>
@@ -10968,7 +10968,7 @@
           <a:p>
             <a:fld id="{86214ADD-9916-4D57-B262-4D71999CA195}" type="datetimeFigureOut">
               <a:rPr lang="es-ES" smtClean="0"/>
-              <a:t>28/05/2024</a:t>
+              <a:t>29/05/2024</a:t>
             </a:fld>
             <a:endParaRPr lang="es-ES"/>
           </a:p>
@@ -11279,7 +11279,7 @@
           <a:p>
             <a:fld id="{86214ADD-9916-4D57-B262-4D71999CA195}" type="datetimeFigureOut">
               <a:rPr lang="es-ES" smtClean="0"/>
-              <a:t>28/05/2024</a:t>
+              <a:t>29/05/2024</a:t>
             </a:fld>
             <a:endParaRPr lang="es-ES"/>
           </a:p>
@@ -11567,7 +11567,7 @@
           <a:p>
             <a:fld id="{86214ADD-9916-4D57-B262-4D71999CA195}" type="datetimeFigureOut">
               <a:rPr lang="es-ES" smtClean="0"/>
-              <a:t>28/05/2024</a:t>
+              <a:t>29/05/2024</a:t>
             </a:fld>
             <a:endParaRPr lang="es-ES"/>
           </a:p>
@@ -11808,7 +11808,7 @@
           <a:p>
             <a:fld id="{86214ADD-9916-4D57-B262-4D71999CA195}" type="datetimeFigureOut">
               <a:rPr lang="es-ES" smtClean="0"/>
-              <a:t>28/05/2024</a:t>
+              <a:t>29/05/2024</a:t>
             </a:fld>
             <a:endParaRPr lang="es-ES"/>
           </a:p>
@@ -13445,38 +13445,6 @@
           </a:p>
         </p:txBody>
       </p:sp>
-      <p:pic>
-        <p:nvPicPr>
-          <p:cNvPr id="13" name="Marcador de contenido 12" descr="Diagrama&#10;&#10;Descripción generada automáticamente">
-            <a:extLst>
-              <a:ext uri="{FF2B5EF4-FFF2-40B4-BE49-F238E27FC236}">
-                <a16:creationId xmlns:a16="http://schemas.microsoft.com/office/drawing/2014/main" id="{B26B5993-9098-2FEF-2858-623D7EF5EF42}"/>
-              </a:ext>
-            </a:extLst>
-          </p:cNvPr>
-          <p:cNvPicPr>
-            <a:picLocks noGrp="1" noChangeAspect="1"/>
-          </p:cNvPicPr>
-          <p:nvPr>
-            <p:ph idx="1"/>
-          </p:nvPr>
-        </p:nvPicPr>
-        <p:blipFill>
-          <a:blip r:embed="rId2"/>
-          <a:stretch>
-            <a:fillRect/>
-          </a:stretch>
-        </p:blipFill>
-        <p:spPr>
-          <a:xfrm>
-            <a:off x="4719959" y="301487"/>
-            <a:ext cx="6946775" cy="6255025"/>
-          </a:xfrm>
-          <a:prstGeom prst="rect">
-            <a:avLst/>
-          </a:prstGeom>
-        </p:spPr>
-      </p:pic>
       <p:sp>
         <p:nvSpPr>
           <p:cNvPr id="14" name="Flecha: pentágono 13">
@@ -13531,6 +13499,41 @@
           </a:p>
         </p:txBody>
       </p:sp>
+      <p:pic>
+        <p:nvPicPr>
+          <p:cNvPr id="6" name="Marcador de contenido 5" descr="Diagrama&#10;&#10;Descripción generada automáticamente">
+            <a:extLst>
+              <a:ext uri="{FF2B5EF4-FFF2-40B4-BE49-F238E27FC236}">
+                <a16:creationId xmlns:a16="http://schemas.microsoft.com/office/drawing/2014/main" id="{68BA881F-A3E7-B471-35FD-5157F072D052}"/>
+              </a:ext>
+            </a:extLst>
+          </p:cNvPr>
+          <p:cNvPicPr>
+            <a:picLocks noGrp="1" noChangeAspect="1"/>
+          </p:cNvPicPr>
+          <p:nvPr>
+            <p:ph idx="1"/>
+          </p:nvPr>
+        </p:nvPicPr>
+        <p:blipFill>
+          <a:blip r:embed="rId2">
+            <a:extLst>
+              <a:ext uri="{28A0092B-C50C-407E-A947-70E740481C1C}">
+                <a14:useLocalDpi xmlns:a14="http://schemas.microsoft.com/office/drawing/2010/main" val="0"/>
+              </a:ext>
+            </a:extLst>
+          </a:blip>
+          <a:stretch>
+            <a:fillRect/>
+          </a:stretch>
+        </p:blipFill>
+        <p:spPr>
+          <a:xfrm>
+            <a:off x="5879253" y="282275"/>
+            <a:ext cx="4538133" cy="6293450"/>
+          </a:xfrm>
+        </p:spPr>
+      </p:pic>
     </p:spTree>
     <p:extLst>
       <p:ext uri="{BB962C8B-B14F-4D97-AF65-F5344CB8AC3E}">
@@ -13860,15 +13863,6 @@
 </file>
 
 <file path=customXml/item1.xml><?xml version="1.0" encoding="utf-8"?>
-<?mso-contentType ?>
-<FormTemplates xmlns="http://schemas.microsoft.com/sharepoint/v3/contenttype/forms">
-  <Display>DocumentLibraryForm</Display>
-  <Edit>DocumentLibraryForm</Edit>
-  <New>DocumentLibraryForm</New>
-</FormTemplates>
-</file>
-
-<file path=customXml/item2.xml><?xml version="1.0" encoding="utf-8"?>
 <ct:contentTypeSchema xmlns:ct="http://schemas.microsoft.com/office/2006/metadata/contentType" xmlns:ma="http://schemas.microsoft.com/office/2006/metadata/properties/metaAttributes" ct:_="" ma:_="" ma:contentTypeName="Documento" ma:contentTypeID="0x0101005CCE8C70ADE6FD4DB948CF3BFC52CAB6" ma:contentTypeVersion="18" ma:contentTypeDescription="Crear nuevo documento." ma:contentTypeScope="" ma:versionID="d0d6baa5fddc89d1005b112fecbf2377">
   <xsd:schema xmlns:xsd="http://www.w3.org/2001/XMLSchema" xmlns:xs="http://www.w3.org/2001/XMLSchema" xmlns:p="http://schemas.microsoft.com/office/2006/metadata/properties" xmlns:ns2="4578e3cf-dc59-46b9-b473-9d64d86ba65a" xmlns:ns3="565c94a9-9f9d-407f-a547-016888b2b680" targetNamespace="http://schemas.microsoft.com/office/2006/metadata/properties" ma:root="true" ma:fieldsID="6d27b4b9bbf274307dd4fa983c05e6fa" ns2:_="" ns3:_="">
     <xsd:import namespace="4578e3cf-dc59-46b9-b473-9d64d86ba65a"/>
@@ -14123,15 +14117,16 @@
 </ct:contentTypeSchema>
 </file>
 
-<file path=customXml/itemProps1.xml><?xml version="1.0" encoding="utf-8"?>
-<ds:datastoreItem xmlns:ds="http://schemas.openxmlformats.org/officeDocument/2006/customXml" ds:itemID="{A495DF48-5599-4C9E-84F7-BD37A102AC9B}">
-  <ds:schemaRefs>
-    <ds:schemaRef ds:uri="http://schemas.microsoft.com/sharepoint/v3/contenttype/forms"/>
-  </ds:schemaRefs>
-</ds:datastoreItem>
+<file path=customXml/item2.xml><?xml version="1.0" encoding="utf-8"?>
+<?mso-contentType ?>
+<FormTemplates xmlns="http://schemas.microsoft.com/sharepoint/v3/contenttype/forms">
+  <Display>DocumentLibraryForm</Display>
+  <Edit>DocumentLibraryForm</Edit>
+  <New>DocumentLibraryForm</New>
+</FormTemplates>
 </file>
 
-<file path=customXml/itemProps2.xml><?xml version="1.0" encoding="utf-8"?>
+<file path=customXml/itemProps1.xml><?xml version="1.0" encoding="utf-8"?>
 <ds:datastoreItem xmlns:ds="http://schemas.openxmlformats.org/officeDocument/2006/customXml" ds:itemID="{EF9DAF21-4ED3-4C42-B7D6-C05DC7A0E8A3}">
   <ds:schemaRefs>
     <ds:schemaRef ds:uri="http://schemas.microsoft.com/office/2006/metadata/contentType"/>
@@ -14148,4 +14143,12 @@
     <ds:schemaRef ds:uri="http://schemas.microsoft.com/internal/obd"/>
   </ds:schemaRefs>
 </ds:datastoreItem>
+</file>
+
+<file path=customXml/itemProps2.xml><?xml version="1.0" encoding="utf-8"?>
+<ds:datastoreItem xmlns:ds="http://schemas.openxmlformats.org/officeDocument/2006/customXml" ds:itemID="{A495DF48-5599-4C9E-84F7-BD37A102AC9B}">
+  <ds:schemaRefs>
+    <ds:schemaRef ds:uri="http://schemas.microsoft.com/sharepoint/v3/contenttype/forms"/>
+  </ds:schemaRefs>
+</ds:datastoreItem>
 </file>